--- a/Final-Group5-Presentation/Final-Group5-Presentation_ml.pptx
+++ b/Final-Group5-Presentation/Final-Group5-Presentation_ml.pptx
@@ -5,7 +5,7 @@
     <p:sldMasterId id="2147483648" r:id="rId1"/>
   </p:sldMasterIdLst>
   <p:notesMasterIdLst>
-    <p:notesMasterId r:id="rId29"/>
+    <p:notesMasterId r:id="rId30"/>
   </p:notesMasterIdLst>
   <p:sldIdLst>
     <p:sldId id="256" r:id="rId2"/>
@@ -30,11 +30,12 @@
     <p:sldId id="270" r:id="rId21"/>
     <p:sldId id="267" r:id="rId22"/>
     <p:sldId id="277" r:id="rId23"/>
-    <p:sldId id="273" r:id="rId24"/>
-    <p:sldId id="264" r:id="rId25"/>
-    <p:sldId id="265" r:id="rId26"/>
-    <p:sldId id="278" r:id="rId27"/>
-    <p:sldId id="266" r:id="rId28"/>
+    <p:sldId id="290" r:id="rId24"/>
+    <p:sldId id="273" r:id="rId25"/>
+    <p:sldId id="264" r:id="rId26"/>
+    <p:sldId id="265" r:id="rId27"/>
+    <p:sldId id="278" r:id="rId28"/>
+    <p:sldId id="266" r:id="rId29"/>
   </p:sldIdLst>
   <p:sldSz cx="12192000" cy="6858000"/>
   <p:notesSz cx="6858000" cy="9144000"/>
@@ -10072,6 +10073,86 @@
       </p:grpSpPr>
       <p:sp>
         <p:nvSpPr>
+          <p:cNvPr id="2" name="Title 1">
+            <a:extLst>
+              <a:ext uri="{FF2B5EF4-FFF2-40B4-BE49-F238E27FC236}">
+                <a16:creationId xmlns:a16="http://schemas.microsoft.com/office/drawing/2014/main" id="{B29E6BF0-AC07-6A4A-AB49-BDEBCFFFCFAB}"/>
+              </a:ext>
+            </a:extLst>
+          </p:cNvPr>
+          <p:cNvSpPr>
+            <a:spLocks noGrp="1"/>
+          </p:cNvSpPr>
+          <p:nvPr>
+            <p:ph type="title"/>
+          </p:nvPr>
+        </p:nvSpPr>
+        <p:spPr/>
+        <p:txBody>
+          <a:bodyPr/>
+          <a:lstStyle/>
+          <a:p>
+            <a:endParaRPr lang="en-US" dirty="0"/>
+          </a:p>
+        </p:txBody>
+      </p:sp>
+      <p:sp>
+        <p:nvSpPr>
+          <p:cNvPr id="3" name="Content Placeholder 2">
+            <a:extLst>
+              <a:ext uri="{FF2B5EF4-FFF2-40B4-BE49-F238E27FC236}">
+                <a16:creationId xmlns:a16="http://schemas.microsoft.com/office/drawing/2014/main" id="{6EF4C491-B482-3749-99B9-8BBBBB4F6004}"/>
+              </a:ext>
+            </a:extLst>
+          </p:cNvPr>
+          <p:cNvSpPr>
+            <a:spLocks noGrp="1"/>
+          </p:cNvSpPr>
+          <p:nvPr>
+            <p:ph idx="1"/>
+          </p:nvPr>
+        </p:nvSpPr>
+        <p:spPr/>
+        <p:txBody>
+          <a:bodyPr/>
+          <a:lstStyle/>
+          <a:p>
+            <a:endParaRPr lang="en-US"/>
+          </a:p>
+        </p:txBody>
+      </p:sp>
+    </p:spTree>
+    <p:extLst>
+      <p:ext uri="{BB962C8B-B14F-4D97-AF65-F5344CB8AC3E}">
+        <p14:creationId xmlns:p14="http://schemas.microsoft.com/office/powerpoint/2010/main" val="389282531"/>
+      </p:ext>
+    </p:extLst>
+  </p:cSld>
+  <p:clrMapOvr>
+    <a:masterClrMapping/>
+  </p:clrMapOvr>
+</p:sld>
+</file>
+
+<file path=ppt/slides/slide24.xml><?xml version="1.0" encoding="utf-8"?>
+<p:sld xmlns:a="http://schemas.openxmlformats.org/drawingml/2006/main" xmlns:r="http://schemas.openxmlformats.org/officeDocument/2006/relationships" xmlns:p="http://schemas.openxmlformats.org/presentationml/2006/main">
+  <p:cSld>
+    <p:spTree>
+      <p:nvGrpSpPr>
+        <p:cNvPr id="1" name=""/>
+        <p:cNvGrpSpPr/>
+        <p:nvPr/>
+      </p:nvGrpSpPr>
+      <p:grpSpPr>
+        <a:xfrm>
+          <a:off x="0" y="0"/>
+          <a:ext cx="0" cy="0"/>
+          <a:chOff x="0" y="0"/>
+          <a:chExt cx="0" cy="0"/>
+        </a:xfrm>
+      </p:grpSpPr>
+      <p:sp>
+        <p:nvSpPr>
           <p:cNvPr id="7" name="Google Shape;65;p14">
             <a:extLst>
               <a:ext uri="{FF2B5EF4-FFF2-40B4-BE49-F238E27FC236}">
@@ -10174,7 +10255,7 @@
 </p:sld>
 </file>
 
-<file path=ppt/slides/slide24.xml><?xml version="1.0" encoding="utf-8"?>
+<file path=ppt/slides/slide25.xml><?xml version="1.0" encoding="utf-8"?>
 <p:sld xmlns:a="http://schemas.openxmlformats.org/drawingml/2006/main" xmlns:r="http://schemas.openxmlformats.org/officeDocument/2006/relationships" xmlns:p="http://schemas.openxmlformats.org/presentationml/2006/main">
   <p:cSld>
     <p:spTree>
@@ -10335,7 +10416,7 @@
 </p:sld>
 </file>
 
-<file path=ppt/slides/slide25.xml><?xml version="1.0" encoding="utf-8"?>
+<file path=ppt/slides/slide26.xml><?xml version="1.0" encoding="utf-8"?>
 <p:sld xmlns:a="http://schemas.openxmlformats.org/drawingml/2006/main" xmlns:r="http://schemas.openxmlformats.org/officeDocument/2006/relationships" xmlns:p="http://schemas.openxmlformats.org/presentationml/2006/main">
   <p:cSld>
     <p:spTree>
@@ -10469,7 +10550,7 @@
 </p:sld>
 </file>
 
-<file path=ppt/slides/slide26.xml><?xml version="1.0" encoding="utf-8"?>
+<file path=ppt/slides/slide27.xml><?xml version="1.0" encoding="utf-8"?>
 <p:sld xmlns:a="http://schemas.openxmlformats.org/drawingml/2006/main" xmlns:r="http://schemas.openxmlformats.org/officeDocument/2006/relationships" xmlns:p="http://schemas.openxmlformats.org/presentationml/2006/main">
   <p:cSld>
     <p:spTree>
@@ -10550,7 +10631,7 @@
 </p:sld>
 </file>
 
-<file path=ppt/slides/slide27.xml><?xml version="1.0" encoding="utf-8"?>
+<file path=ppt/slides/slide28.xml><?xml version="1.0" encoding="utf-8"?>
 <p:sld xmlns:a="http://schemas.openxmlformats.org/drawingml/2006/main" xmlns:r="http://schemas.openxmlformats.org/officeDocument/2006/relationships" xmlns:p="http://schemas.openxmlformats.org/presentationml/2006/main">
   <p:cSld>
     <p:spTree>
@@ -11644,7 +11725,7 @@
                     <a:bodyPr/>
                     <a:lstStyle/>
                     <a:p>
-                      <a:endParaRPr lang="en-US"/>
+                      <a:endParaRPr lang="en-US" dirty="0"/>
                     </a:p>
                   </a:txBody>
                   <a:tcPr/>
@@ -11704,7 +11785,7 @@
                     <a:bodyPr/>
                     <a:lstStyle/>
                     <a:p>
-                      <a:endParaRPr lang="en-US"/>
+                      <a:endParaRPr lang="en-US" dirty="0"/>
                     </a:p>
                   </a:txBody>
                   <a:tcPr/>
@@ -11748,7 +11829,7 @@
                     <a:bodyPr/>
                     <a:lstStyle/>
                     <a:p>
-                      <a:endParaRPr lang="en-US"/>
+                      <a:endParaRPr lang="en-US" dirty="0"/>
                     </a:p>
                   </a:txBody>
                   <a:tcPr/>
@@ -11792,7 +11873,7 @@
                     <a:bodyPr/>
                     <a:lstStyle/>
                     <a:p>
-                      <a:endParaRPr lang="en-US"/>
+                      <a:endParaRPr lang="en-US" dirty="0"/>
                     </a:p>
                   </a:txBody>
                   <a:tcPr/>
@@ -11853,7 +11934,7 @@
                     <a:bodyPr/>
                     <a:lstStyle/>
                     <a:p>
-                      <a:endParaRPr lang="en-US"/>
+                      <a:endParaRPr lang="en-US" dirty="0"/>
                     </a:p>
                   </a:txBody>
                   <a:tcPr/>
@@ -11897,7 +11978,7 @@
                     <a:bodyPr/>
                     <a:lstStyle/>
                     <a:p>
-                      <a:endParaRPr lang="en-US"/>
+                      <a:endParaRPr lang="en-US" dirty="0"/>
                     </a:p>
                   </a:txBody>
                   <a:tcPr/>
